--- a/Robson, O Cabrito.pptx
+++ b/Robson, O Cabrito.pptx
@@ -257,7 +257,7 @@
           <a:p>
             <a:fld id="{48A87A34-81AB-432B-8DAE-1953F412C126}" type="datetimeFigureOut">
               <a:rPr lang="en-US" smtClean="0"/>
-              <a:t>1/28/21</a:t>
+              <a:t>1/29/21</a:t>
             </a:fld>
             <a:endParaRPr lang="en-US" dirty="0"/>
           </a:p>
@@ -468,7 +468,7 @@
           <a:p>
             <a:fld id="{48A87A34-81AB-432B-8DAE-1953F412C126}" type="datetimeFigureOut">
               <a:rPr lang="en-US" smtClean="0"/>
-              <a:t>1/28/21</a:t>
+              <a:t>1/29/21</a:t>
             </a:fld>
             <a:endParaRPr lang="en-US" dirty="0"/>
           </a:p>
@@ -683,7 +683,7 @@
           <a:p>
             <a:fld id="{48A87A34-81AB-432B-8DAE-1953F412C126}" type="datetimeFigureOut">
               <a:rPr lang="en-US" smtClean="0"/>
-              <a:t>1/28/21</a:t>
+              <a:t>1/29/21</a:t>
             </a:fld>
             <a:endParaRPr lang="en-US" dirty="0"/>
           </a:p>
@@ -884,7 +884,7 @@
           <a:p>
             <a:fld id="{48A87A34-81AB-432B-8DAE-1953F412C126}" type="datetimeFigureOut">
               <a:rPr lang="en-US" smtClean="0"/>
-              <a:t>1/28/21</a:t>
+              <a:t>1/29/21</a:t>
             </a:fld>
             <a:endParaRPr lang="en-US" dirty="0"/>
           </a:p>
@@ -1163,7 +1163,7 @@
           <a:p>
             <a:fld id="{48A87A34-81AB-432B-8DAE-1953F412C126}" type="datetimeFigureOut">
               <a:rPr lang="en-US" smtClean="0"/>
-              <a:t>1/28/21</a:t>
+              <a:t>1/29/21</a:t>
             </a:fld>
             <a:endParaRPr lang="en-US" dirty="0"/>
           </a:p>
@@ -1431,7 +1431,7 @@
           <a:p>
             <a:fld id="{48A87A34-81AB-432B-8DAE-1953F412C126}" type="datetimeFigureOut">
               <a:rPr lang="en-US" smtClean="0"/>
-              <a:t>1/28/21</a:t>
+              <a:t>1/29/21</a:t>
             </a:fld>
             <a:endParaRPr lang="en-US" dirty="0"/>
           </a:p>
@@ -1847,7 +1847,7 @@
           <a:p>
             <a:fld id="{48A87A34-81AB-432B-8DAE-1953F412C126}" type="datetimeFigureOut">
               <a:rPr lang="en-US" smtClean="0"/>
-              <a:t>1/28/21</a:t>
+              <a:t>1/29/21</a:t>
             </a:fld>
             <a:endParaRPr lang="en-US" dirty="0"/>
           </a:p>
@@ -1996,7 +1996,7 @@
           <a:p>
             <a:fld id="{48A87A34-81AB-432B-8DAE-1953F412C126}" type="datetimeFigureOut">
               <a:rPr lang="en-US" smtClean="0"/>
-              <a:t>1/28/21</a:t>
+              <a:t>1/29/21</a:t>
             </a:fld>
             <a:endParaRPr lang="en-US" dirty="0"/>
           </a:p>
@@ -2122,7 +2122,7 @@
           <a:p>
             <a:fld id="{48A87A34-81AB-432B-8DAE-1953F412C126}" type="datetimeFigureOut">
               <a:rPr lang="en-US" smtClean="0"/>
-              <a:t>1/28/21</a:t>
+              <a:t>1/29/21</a:t>
             </a:fld>
             <a:endParaRPr lang="en-US" dirty="0"/>
           </a:p>
@@ -2373,7 +2373,7 @@
           <a:p>
             <a:fld id="{48A87A34-81AB-432B-8DAE-1953F412C126}" type="datetimeFigureOut">
               <a:rPr lang="en-US" smtClean="0"/>
-              <a:t>1/28/21</a:t>
+              <a:t>1/29/21</a:t>
             </a:fld>
             <a:endParaRPr lang="en-US" dirty="0"/>
           </a:p>
@@ -2819,7 +2819,7 @@
             <a:fld id="{48A87A34-81AB-432B-8DAE-1953F412C126}" type="datetimeFigureOut">
               <a:rPr lang="en-US" smtClean="0"/>
               <a:pPr/>
-              <a:t>1/28/21</a:t>
+              <a:t>1/29/21</a:t>
             </a:fld>
             <a:endParaRPr lang="en-US" dirty="0"/>
           </a:p>
@@ -3147,7 +3147,7 @@
             <a:fld id="{48A87A34-81AB-432B-8DAE-1953F412C126}" type="datetimeFigureOut">
               <a:rPr lang="en-US" smtClean="0"/>
               <a:pPr/>
-              <a:t>1/28/21</a:t>
+              <a:t>1/29/21</a:t>
             </a:fld>
             <a:endParaRPr lang="en-US" dirty="0"/>
           </a:p>
@@ -3781,7 +3781,7 @@
         <p:spPr/>
         <p:txBody>
           <a:bodyPr>
-            <a:normAutofit/>
+            <a:normAutofit fontScale="92500" lnSpcReduction="10000"/>
           </a:bodyPr>
           <a:lstStyle/>
           <a:p>
@@ -3799,7 +3799,16 @@
           <a:p>
             <a:r>
               <a:rPr lang="pt-BR" sz="2800" dirty="0"/>
-              <a:t>Curiosidades sobre mim.</a:t>
+              <a:t>Curiosidades sobre mim;</a:t>
+            </a:r>
+          </a:p>
+          <a:p>
+            <a:endParaRPr lang="pt-BR" sz="2800" dirty="0"/>
+          </a:p>
+          <a:p>
+            <a:r>
+              <a:rPr lang="pt-BR" sz="2800" dirty="0"/>
+              <a:t>O que me fez entrar na programação.</a:t>
             </a:r>
           </a:p>
         </p:txBody>
@@ -3996,7 +4005,13 @@
           <a:bodyPr/>
           <a:lstStyle/>
           <a:p>
-            <a:endParaRPr lang="pt-BR" dirty="0"/>
+            <a:endParaRPr lang="pt-BR" sz="2800" dirty="0"/>
+          </a:p>
+          <a:p>
+            <a:r>
+              <a:rPr lang="pt-BR" sz="2800" dirty="0"/>
+              <a:t>Aplicar a dinâmica de crash dentro do jogo;</a:t>
+            </a:r>
           </a:p>
           <a:p>
             <a:endParaRPr lang="pt-BR" dirty="0"/>
@@ -4212,11 +4227,15 @@
           </a:p>
           <a:p>
             <a:r>
-              <a:rPr lang="pt-BR" sz="2800" dirty="0" err="1"/>
+              <a:rPr lang="pt-BR" sz="2800" dirty="0" err="1">
+                <a:hlinkClick r:id="rId2"/>
+              </a:rPr>
               <a:t>https</a:t>
             </a:r>
             <a:r>
-              <a:rPr lang="pt-BR" sz="2800"/>
+              <a:rPr lang="pt-BR" sz="2800" dirty="0">
+                <a:hlinkClick r:id="rId2"/>
+              </a:rPr>
               <a:t>://merjan1.github.io/Robson-O-Cabrito/</a:t>
             </a:r>
             <a:endParaRPr lang="pt-BR" sz="2800" dirty="0"/>
